--- a/source/Samples/Project Documentation/Improve Samples And Documentation For SDR Representation(SDR To Bitmap).pptx
+++ b/source/Samples/Project Documentation/Improve Samples And Documentation For SDR Representation(SDR To Bitmap).pptx
@@ -12575,7 +12575,13 @@
               <a:rPr lang="en-US" dirty="0">
                 <a:latin typeface="Bookman Old Style" panose="02050604050505020204" pitchFamily="18" charset="0"/>
               </a:rPr>
-              <a:t>Yatish Sharma:  </a:t>
+              <a:t>Yatish Sharma</a:t>
+            </a:r>
+            <a:r>
+              <a:rPr lang="en-US">
+                <a:latin typeface="Bookman Old Style" panose="02050604050505020204" pitchFamily="18" charset="0"/>
+              </a:rPr>
+              <a:t>: 1457597 </a:t>
             </a:r>
             <a:r>
               <a:rPr lang="en-US" dirty="0"/>
